--- a/UIKIT Survey/UIKIT Survey.pptx
+++ b/UIKIT Survey/UIKIT Survey.pptx
@@ -117,6 +117,11 @@
       </a:defRPr>
     </a:lvl9pPr>
   </p:defaultTextStyle>
+  <p:extLst>
+    <p:ext uri="{EFAFB233-063F-42B5-8137-9DF3F51BA10A}">
+      <p15:sldGuideLst xmlns:p15="http://schemas.microsoft.com/office/powerpoint/2012/main"/>
+    </p:ext>
+  </p:extLst>
 </p:presentation>
 </file>
 
@@ -267,7 +272,7 @@
           <a:p>
             <a:fld id="{04BA55C9-C3F5-064B-A654-4C00DACE44CB}" type="datetimeFigureOut">
               <a:rPr lang="en-US" smtClean="0"/>
-              <a:t>2/3/20</a:t>
+              <a:t>2/3/2020</a:t>
             </a:fld>
             <a:endParaRPr lang="en-US"/>
           </a:p>
@@ -465,7 +470,7 @@
           <a:p>
             <a:fld id="{04BA55C9-C3F5-064B-A654-4C00DACE44CB}" type="datetimeFigureOut">
               <a:rPr lang="en-US" smtClean="0"/>
-              <a:t>2/3/20</a:t>
+              <a:t>2/3/2020</a:t>
             </a:fld>
             <a:endParaRPr lang="en-US"/>
           </a:p>
@@ -673,7 +678,7 @@
           <a:p>
             <a:fld id="{04BA55C9-C3F5-064B-A654-4C00DACE44CB}" type="datetimeFigureOut">
               <a:rPr lang="en-US" smtClean="0"/>
-              <a:t>2/3/20</a:t>
+              <a:t>2/3/2020</a:t>
             </a:fld>
             <a:endParaRPr lang="en-US"/>
           </a:p>
@@ -871,7 +876,7 @@
           <a:p>
             <a:fld id="{04BA55C9-C3F5-064B-A654-4C00DACE44CB}" type="datetimeFigureOut">
               <a:rPr lang="en-US" smtClean="0"/>
-              <a:t>2/3/20</a:t>
+              <a:t>2/3/2020</a:t>
             </a:fld>
             <a:endParaRPr lang="en-US"/>
           </a:p>
@@ -1146,7 +1151,7 @@
           <a:p>
             <a:fld id="{04BA55C9-C3F5-064B-A654-4C00DACE44CB}" type="datetimeFigureOut">
               <a:rPr lang="en-US" smtClean="0"/>
-              <a:t>2/3/20</a:t>
+              <a:t>2/3/2020</a:t>
             </a:fld>
             <a:endParaRPr lang="en-US"/>
           </a:p>
@@ -1411,7 +1416,7 @@
           <a:p>
             <a:fld id="{04BA55C9-C3F5-064B-A654-4C00DACE44CB}" type="datetimeFigureOut">
               <a:rPr lang="en-US" smtClean="0"/>
-              <a:t>2/3/20</a:t>
+              <a:t>2/3/2020</a:t>
             </a:fld>
             <a:endParaRPr lang="en-US"/>
           </a:p>
@@ -1823,7 +1828,7 @@
           <a:p>
             <a:fld id="{04BA55C9-C3F5-064B-A654-4C00DACE44CB}" type="datetimeFigureOut">
               <a:rPr lang="en-US" smtClean="0"/>
-              <a:t>2/3/20</a:t>
+              <a:t>2/3/2020</a:t>
             </a:fld>
             <a:endParaRPr lang="en-US"/>
           </a:p>
@@ -1964,7 +1969,7 @@
           <a:p>
             <a:fld id="{04BA55C9-C3F5-064B-A654-4C00DACE44CB}" type="datetimeFigureOut">
               <a:rPr lang="en-US" smtClean="0"/>
-              <a:t>2/3/20</a:t>
+              <a:t>2/3/2020</a:t>
             </a:fld>
             <a:endParaRPr lang="en-US"/>
           </a:p>
@@ -2077,7 +2082,7 @@
           <a:p>
             <a:fld id="{04BA55C9-C3F5-064B-A654-4C00DACE44CB}" type="datetimeFigureOut">
               <a:rPr lang="en-US" smtClean="0"/>
-              <a:t>2/3/20</a:t>
+              <a:t>2/3/2020</a:t>
             </a:fld>
             <a:endParaRPr lang="en-US"/>
           </a:p>
@@ -2388,7 +2393,7 @@
           <a:p>
             <a:fld id="{04BA55C9-C3F5-064B-A654-4C00DACE44CB}" type="datetimeFigureOut">
               <a:rPr lang="en-US" smtClean="0"/>
-              <a:t>2/3/20</a:t>
+              <a:t>2/3/2020</a:t>
             </a:fld>
             <a:endParaRPr lang="en-US"/>
           </a:p>
@@ -2676,7 +2681,7 @@
           <a:p>
             <a:fld id="{04BA55C9-C3F5-064B-A654-4C00DACE44CB}" type="datetimeFigureOut">
               <a:rPr lang="en-US" smtClean="0"/>
-              <a:t>2/3/20</a:t>
+              <a:t>2/3/2020</a:t>
             </a:fld>
             <a:endParaRPr lang="en-US"/>
           </a:p>
@@ -2917,7 +2922,7 @@
           <a:p>
             <a:fld id="{04BA55C9-C3F5-064B-A654-4C00DACE44CB}" type="datetimeFigureOut">
               <a:rPr lang="en-US" smtClean="0"/>
-              <a:t>2/3/20</a:t>
+              <a:t>2/3/2020</a:t>
             </a:fld>
             <a:endParaRPr lang="en-US"/>
           </a:p>
@@ -3478,7 +3483,7 @@
         </p:blipFill>
         <p:spPr>
           <a:xfrm>
-            <a:off x="4868608" y="1825625"/>
+            <a:off x="4868608" y="1844479"/>
             <a:ext cx="2454784" cy="4351338"/>
           </a:xfrm>
         </p:spPr>
@@ -3541,31 +3546,35 @@
           </a:p>
         </p:txBody>
       </p:sp>
-      <p:sp>
-        <p:nvSpPr>
-          <p:cNvPr id="3" name="Content Placeholder 2">
-            <a:extLst>
-              <a:ext uri="{FF2B5EF4-FFF2-40B4-BE49-F238E27FC236}">
-                <a16:creationId xmlns:a16="http://schemas.microsoft.com/office/drawing/2014/main" id="{9E0F318C-FA48-A94E-A524-31387CCA7994}"/>
-              </a:ext>
-            </a:extLst>
-          </p:cNvPr>
-          <p:cNvSpPr>
-            <a:spLocks noGrp="1"/>
-          </p:cNvSpPr>
+      <p:pic>
+        <p:nvPicPr>
+          <p:cNvPr id="5" name="Content Placeholder 4" descr="A screenshot of a cell phone&#10;&#10;Description automatically generated">
+            <a:extLst>
+              <a:ext uri="{FF2B5EF4-FFF2-40B4-BE49-F238E27FC236}">
+                <a16:creationId xmlns:a16="http://schemas.microsoft.com/office/drawing/2014/main" id="{A86E768A-7AFD-4AC0-A930-82E5033B0BC1}"/>
+              </a:ext>
+            </a:extLst>
+          </p:cNvPr>
+          <p:cNvPicPr>
+            <a:picLocks noGrp="1" noChangeAspect="1"/>
+          </p:cNvPicPr>
           <p:nvPr>
             <p:ph idx="1"/>
           </p:nvPr>
-        </p:nvSpPr>
-        <p:spPr/>
-        <p:txBody>
-          <a:bodyPr/>
-          <a:lstStyle/>
-          <a:p>
-            <a:endParaRPr lang="en-US"/>
-          </a:p>
-        </p:txBody>
-      </p:sp>
+        </p:nvPicPr>
+        <p:blipFill>
+          <a:blip r:embed="rId2"/>
+          <a:stretch>
+            <a:fillRect/>
+          </a:stretch>
+        </p:blipFill>
+        <p:spPr>
+          <a:xfrm>
+            <a:off x="4872798" y="1825625"/>
+            <a:ext cx="2446404" cy="4351338"/>
+          </a:xfrm>
+        </p:spPr>
+      </p:pic>
     </p:spTree>
     <p:extLst>
       <p:ext uri="{BB962C8B-B14F-4D97-AF65-F5344CB8AC3E}">
@@ -3793,8 +3802,13 @@
           <a:p>
             <a:r>
               <a:rPr lang="en-US" dirty="0"/>
-              <a:t>Unknown – Date Selector</a:t>
-            </a:r>
+              <a:t>Unknown – </a:t>
+            </a:r>
+            <a:r>
+              <a:rPr lang="en-US"/>
+              <a:t>Date Selector?</a:t>
+            </a:r>
+            <a:endParaRPr lang="en-US" dirty="0"/>
           </a:p>
         </p:txBody>
       </p:sp>
